--- a/Custom project.pptx
+++ b/Custom project.pptx
@@ -6,11 +6,12 @@
   </p:sldMasterIdLst>
   <p:sldIdLst>
     <p:sldId id="256" r:id="rId2"/>
-    <p:sldId id="257" r:id="rId3"/>
-    <p:sldId id="258" r:id="rId4"/>
-    <p:sldId id="259" r:id="rId5"/>
-    <p:sldId id="260" r:id="rId6"/>
-    <p:sldId id="261" r:id="rId7"/>
+    <p:sldId id="262" r:id="rId3"/>
+    <p:sldId id="257" r:id="rId4"/>
+    <p:sldId id="258" r:id="rId5"/>
+    <p:sldId id="259" r:id="rId6"/>
+    <p:sldId id="260" r:id="rId7"/>
+    <p:sldId id="261" r:id="rId8"/>
   </p:sldIdLst>
   <p:sldSz cx="12192000" cy="6858000"/>
   <p:notesSz cx="6858000" cy="9144000"/>
@@ -109,6 +110,11 @@
       </a:defRPr>
     </a:lvl9pPr>
   </p:defaultTextStyle>
+  <p:extLst>
+    <p:ext uri="{EFAFB233-063F-42B5-8137-9DF3F51BA10A}">
+      <p15:sldGuideLst xmlns:p15="http://schemas.microsoft.com/office/powerpoint/2012/main"/>
+    </p:ext>
+  </p:extLst>
 </p:presentation>
 </file>
 
@@ -298,7 +304,7 @@
           <a:p>
             <a:fld id="{7D72302D-7DA0-44E9-9425-C28FD82C7C77}" type="datetimeFigureOut">
               <a:rPr lang="es-MX" smtClean="0"/>
-              <a:t>19/03/2024</a:t>
+              <a:t>15/04/2024</a:t>
             </a:fld>
             <a:endParaRPr lang="es-MX"/>
           </a:p>
@@ -573,7 +579,7 @@
           <a:p>
             <a:fld id="{7D72302D-7DA0-44E9-9425-C28FD82C7C77}" type="datetimeFigureOut">
               <a:rPr lang="es-MX" smtClean="0"/>
-              <a:t>19/03/2024</a:t>
+              <a:t>15/04/2024</a:t>
             </a:fld>
             <a:endParaRPr lang="es-MX"/>
           </a:p>
@@ -767,7 +773,7 @@
           <a:p>
             <a:fld id="{7D72302D-7DA0-44E9-9425-C28FD82C7C77}" type="datetimeFigureOut">
               <a:rPr lang="es-MX" smtClean="0"/>
-              <a:t>19/03/2024</a:t>
+              <a:t>15/04/2024</a:t>
             </a:fld>
             <a:endParaRPr lang="es-MX"/>
           </a:p>
@@ -1040,7 +1046,7 @@
           <a:p>
             <a:fld id="{7D72302D-7DA0-44E9-9425-C28FD82C7C77}" type="datetimeFigureOut">
               <a:rPr lang="es-MX" smtClean="0"/>
-              <a:t>19/03/2024</a:t>
+              <a:t>15/04/2024</a:t>
             </a:fld>
             <a:endParaRPr lang="es-MX"/>
           </a:p>
@@ -1381,7 +1387,7 @@
           <a:p>
             <a:fld id="{7D72302D-7DA0-44E9-9425-C28FD82C7C77}" type="datetimeFigureOut">
               <a:rPr lang="es-MX" smtClean="0"/>
-              <a:t>19/03/2024</a:t>
+              <a:t>15/04/2024</a:t>
             </a:fld>
             <a:endParaRPr lang="es-MX"/>
           </a:p>
@@ -2004,7 +2010,7 @@
           <a:p>
             <a:fld id="{7D72302D-7DA0-44E9-9425-C28FD82C7C77}" type="datetimeFigureOut">
               <a:rPr lang="es-MX" smtClean="0"/>
-              <a:t>19/03/2024</a:t>
+              <a:t>15/04/2024</a:t>
             </a:fld>
             <a:endParaRPr lang="es-MX"/>
           </a:p>
@@ -2864,7 +2870,7 @@
           <a:p>
             <a:fld id="{7D72302D-7DA0-44E9-9425-C28FD82C7C77}" type="datetimeFigureOut">
               <a:rPr lang="es-MX" smtClean="0"/>
-              <a:t>19/03/2024</a:t>
+              <a:t>15/04/2024</a:t>
             </a:fld>
             <a:endParaRPr lang="es-MX"/>
           </a:p>
@@ -3034,7 +3040,7 @@
           <a:p>
             <a:fld id="{7D72302D-7DA0-44E9-9425-C28FD82C7C77}" type="datetimeFigureOut">
               <a:rPr lang="es-MX" smtClean="0"/>
-              <a:t>19/03/2024</a:t>
+              <a:t>15/04/2024</a:t>
             </a:fld>
             <a:endParaRPr lang="es-MX"/>
           </a:p>
@@ -3214,7 +3220,7 @@
           <a:p>
             <a:fld id="{7D72302D-7DA0-44E9-9425-C28FD82C7C77}" type="datetimeFigureOut">
               <a:rPr lang="es-MX" smtClean="0"/>
-              <a:t>19/03/2024</a:t>
+              <a:t>15/04/2024</a:t>
             </a:fld>
             <a:endParaRPr lang="es-MX"/>
           </a:p>
@@ -3384,7 +3390,7 @@
           <a:p>
             <a:fld id="{7D72302D-7DA0-44E9-9425-C28FD82C7C77}" type="datetimeFigureOut">
               <a:rPr lang="es-MX" smtClean="0"/>
-              <a:t>19/03/2024</a:t>
+              <a:t>15/04/2024</a:t>
             </a:fld>
             <a:endParaRPr lang="es-MX"/>
           </a:p>
@@ -3631,7 +3637,7 @@
           <a:p>
             <a:fld id="{7D72302D-7DA0-44E9-9425-C28FD82C7C77}" type="datetimeFigureOut">
               <a:rPr lang="es-MX" smtClean="0"/>
-              <a:t>19/03/2024</a:t>
+              <a:t>15/04/2024</a:t>
             </a:fld>
             <a:endParaRPr lang="es-MX"/>
           </a:p>
@@ -3923,7 +3929,7 @@
           <a:p>
             <a:fld id="{7D72302D-7DA0-44E9-9425-C28FD82C7C77}" type="datetimeFigureOut">
               <a:rPr lang="es-MX" smtClean="0"/>
-              <a:t>19/03/2024</a:t>
+              <a:t>15/04/2024</a:t>
             </a:fld>
             <a:endParaRPr lang="es-MX"/>
           </a:p>
@@ -4367,7 +4373,7 @@
           <a:p>
             <a:fld id="{7D72302D-7DA0-44E9-9425-C28FD82C7C77}" type="datetimeFigureOut">
               <a:rPr lang="es-MX" smtClean="0"/>
-              <a:t>19/03/2024</a:t>
+              <a:t>15/04/2024</a:t>
             </a:fld>
             <a:endParaRPr lang="es-MX"/>
           </a:p>
@@ -4485,7 +4491,7 @@
           <a:p>
             <a:fld id="{7D72302D-7DA0-44E9-9425-C28FD82C7C77}" type="datetimeFigureOut">
               <a:rPr lang="es-MX" smtClean="0"/>
-              <a:t>19/03/2024</a:t>
+              <a:t>15/04/2024</a:t>
             </a:fld>
             <a:endParaRPr lang="es-MX"/>
           </a:p>
@@ -4580,7 +4586,7 @@
           <a:p>
             <a:fld id="{7D72302D-7DA0-44E9-9425-C28FD82C7C77}" type="datetimeFigureOut">
               <a:rPr lang="es-MX" smtClean="0"/>
-              <a:t>19/03/2024</a:t>
+              <a:t>15/04/2024</a:t>
             </a:fld>
             <a:endParaRPr lang="es-MX"/>
           </a:p>
@@ -4859,7 +4865,7 @@
           <a:p>
             <a:fld id="{7D72302D-7DA0-44E9-9425-C28FD82C7C77}" type="datetimeFigureOut">
               <a:rPr lang="es-MX" smtClean="0"/>
-              <a:t>19/03/2024</a:t>
+              <a:t>15/04/2024</a:t>
             </a:fld>
             <a:endParaRPr lang="es-MX"/>
           </a:p>
@@ -5134,7 +5140,7 @@
           <a:p>
             <a:fld id="{7D72302D-7DA0-44E9-9425-C28FD82C7C77}" type="datetimeFigureOut">
               <a:rPr lang="es-MX" smtClean="0"/>
-              <a:t>19/03/2024</a:t>
+              <a:t>15/04/2024</a:t>
             </a:fld>
             <a:endParaRPr lang="es-MX"/>
           </a:p>
@@ -5563,7 +5569,7 @@
           <a:p>
             <a:fld id="{7D72302D-7DA0-44E9-9425-C28FD82C7C77}" type="datetimeFigureOut">
               <a:rPr lang="es-MX" smtClean="0"/>
-              <a:t>19/03/2024</a:t>
+              <a:t>15/04/2024</a:t>
             </a:fld>
             <a:endParaRPr lang="es-MX"/>
           </a:p>
@@ -6220,6 +6226,101 @@
           <p:cNvPr id="2" name="Título 1">
             <a:extLst>
               <a:ext uri="{FF2B5EF4-FFF2-40B4-BE49-F238E27FC236}">
+                <a16:creationId xmlns:a16="http://schemas.microsoft.com/office/drawing/2014/main" id="{5DCE142E-FFDD-2B3B-4FED-8C5DC5C2A63E}"/>
+              </a:ext>
+            </a:extLst>
+          </p:cNvPr>
+          <p:cNvSpPr>
+            <a:spLocks noGrp="1"/>
+          </p:cNvSpPr>
+          <p:nvPr>
+            <p:ph type="title"/>
+          </p:nvPr>
+        </p:nvSpPr>
+        <p:spPr/>
+        <p:txBody>
+          <a:bodyPr/>
+          <a:lstStyle/>
+          <a:p>
+            <a:r>
+              <a:rPr lang="es-MX" dirty="0"/>
+              <a:t>Paso 6</a:t>
+            </a:r>
+          </a:p>
+        </p:txBody>
+      </p:sp>
+      <p:sp>
+        <p:nvSpPr>
+          <p:cNvPr id="3" name="Marcador de contenido 2">
+            <a:extLst>
+              <a:ext uri="{FF2B5EF4-FFF2-40B4-BE49-F238E27FC236}">
+                <a16:creationId xmlns:a16="http://schemas.microsoft.com/office/drawing/2014/main" id="{7126B500-9186-B11E-4303-2374FD26F585}"/>
+              </a:ext>
+            </a:extLst>
+          </p:cNvPr>
+          <p:cNvSpPr>
+            <a:spLocks noGrp="1"/>
+          </p:cNvSpPr>
+          <p:nvPr>
+            <p:ph idx="1"/>
+          </p:nvPr>
+        </p:nvSpPr>
+        <p:spPr/>
+        <p:txBody>
+          <a:bodyPr/>
+          <a:lstStyle/>
+          <a:p>
+            <a:r>
+              <a:rPr lang="es-MX" dirty="0"/>
+              <a:t>Estimado por temas de trabajo no realice las correcciones a los pasos anteriores esas correcciones las estaré haciendo para el siguiente entregable </a:t>
+            </a:r>
+          </a:p>
+          <a:p>
+            <a:r>
+              <a:rPr lang="es-MX" dirty="0"/>
+              <a:t>Mientras solo acomode el código le di una estructura orientada a objetos y tengo la estructura de las carpetas de como quedaría al final completo</a:t>
+            </a:r>
+          </a:p>
+          <a:p>
+            <a:endParaRPr lang="es-MX" dirty="0"/>
+          </a:p>
+        </p:txBody>
+      </p:sp>
+    </p:spTree>
+    <p:extLst>
+      <p:ext uri="{BB962C8B-B14F-4D97-AF65-F5344CB8AC3E}">
+        <p14:creationId xmlns:p14="http://schemas.microsoft.com/office/powerpoint/2010/main" val="429483478"/>
+      </p:ext>
+    </p:extLst>
+  </p:cSld>
+  <p:clrMapOvr>
+    <a:masterClrMapping/>
+  </p:clrMapOvr>
+</p:sld>
+</file>
+
+<file path=ppt/slides/slide3.xml><?xml version="1.0" encoding="utf-8"?>
+<p:sld xmlns:a="http://schemas.openxmlformats.org/drawingml/2006/main" xmlns:r="http://schemas.openxmlformats.org/officeDocument/2006/relationships" xmlns:p="http://schemas.openxmlformats.org/presentationml/2006/main">
+  <p:cSld>
+    <p:spTree>
+      <p:nvGrpSpPr>
+        <p:cNvPr id="1" name=""/>
+        <p:cNvGrpSpPr/>
+        <p:nvPr/>
+      </p:nvGrpSpPr>
+      <p:grpSpPr>
+        <a:xfrm>
+          <a:off x="0" y="0"/>
+          <a:ext cx="0" cy="0"/>
+          <a:chOff x="0" y="0"/>
+          <a:chExt cx="0" cy="0"/>
+        </a:xfrm>
+      </p:grpSpPr>
+      <p:sp>
+        <p:nvSpPr>
+          <p:cNvPr id="2" name="Título 1">
+            <a:extLst>
+              <a:ext uri="{FF2B5EF4-FFF2-40B4-BE49-F238E27FC236}">
                 <a16:creationId xmlns:a16="http://schemas.microsoft.com/office/drawing/2014/main" id="{15CDCC32-54EA-CFC7-8A39-99D16FC648DF}"/>
               </a:ext>
             </a:extLst>
@@ -6531,127 +6632,6 @@
 </p:sld>
 </file>
 
-<file path=ppt/slides/slide3.xml><?xml version="1.0" encoding="utf-8"?>
-<p:sld xmlns:a="http://schemas.openxmlformats.org/drawingml/2006/main" xmlns:r="http://schemas.openxmlformats.org/officeDocument/2006/relationships" xmlns:p="http://schemas.openxmlformats.org/presentationml/2006/main">
-  <p:cSld>
-    <p:spTree>
-      <p:nvGrpSpPr>
-        <p:cNvPr id="1" name=""/>
-        <p:cNvGrpSpPr/>
-        <p:nvPr/>
-      </p:nvGrpSpPr>
-      <p:grpSpPr>
-        <a:xfrm>
-          <a:off x="0" y="0"/>
-          <a:ext cx="0" cy="0"/>
-          <a:chOff x="0" y="0"/>
-          <a:chExt cx="0" cy="0"/>
-        </a:xfrm>
-      </p:grpSpPr>
-      <p:sp>
-        <p:nvSpPr>
-          <p:cNvPr id="2" name="Título 1">
-            <a:extLst>
-              <a:ext uri="{FF2B5EF4-FFF2-40B4-BE49-F238E27FC236}">
-                <a16:creationId xmlns:a16="http://schemas.microsoft.com/office/drawing/2014/main" id="{15CDCC32-54EA-CFC7-8A39-99D16FC648DF}"/>
-              </a:ext>
-            </a:extLst>
-          </p:cNvPr>
-          <p:cNvSpPr>
-            <a:spLocks noGrp="1"/>
-          </p:cNvSpPr>
-          <p:nvPr>
-            <p:ph type="title"/>
-          </p:nvPr>
-        </p:nvSpPr>
-        <p:spPr/>
-        <p:txBody>
-          <a:bodyPr/>
-          <a:lstStyle/>
-          <a:p>
-            <a:r>
-              <a:rPr lang="es-MX" dirty="0"/>
-              <a:t>Determinar</a:t>
-            </a:r>
-          </a:p>
-        </p:txBody>
-      </p:sp>
-      <p:sp>
-        <p:nvSpPr>
-          <p:cNvPr id="3" name="Marcador de contenido 2">
-            <a:extLst>
-              <a:ext uri="{FF2B5EF4-FFF2-40B4-BE49-F238E27FC236}">
-                <a16:creationId xmlns:a16="http://schemas.microsoft.com/office/drawing/2014/main" id="{FF7CAF38-A370-61A0-CB2A-4665887463FF}"/>
-              </a:ext>
-            </a:extLst>
-          </p:cNvPr>
-          <p:cNvSpPr>
-            <a:spLocks noGrp="1"/>
-          </p:cNvSpPr>
-          <p:nvPr>
-            <p:ph idx="1"/>
-          </p:nvPr>
-        </p:nvSpPr>
-        <p:spPr/>
-        <p:txBody>
-          <a:bodyPr/>
-          <a:lstStyle/>
-          <a:p>
-            <a:r>
-              <a:rPr lang="es-MX" dirty="0"/>
-              <a:t>Creo que una de las preguntas más importantes o relevantes es poder saber qué tipo de llamarada mediante regresión ya que esta seria lo ideal para el tipo de pregunta que queremos resolver.</a:t>
-            </a:r>
-          </a:p>
-        </p:txBody>
-      </p:sp>
-      <p:sp>
-        <p:nvSpPr>
-          <p:cNvPr id="4" name="CuadroTexto 3">
-            <a:extLst>
-              <a:ext uri="{FF2B5EF4-FFF2-40B4-BE49-F238E27FC236}">
-                <a16:creationId xmlns:a16="http://schemas.microsoft.com/office/drawing/2014/main" id="{7E253202-78D5-404C-4CE5-7A422F3B41C9}"/>
-              </a:ext>
-            </a:extLst>
-          </p:cNvPr>
-          <p:cNvSpPr txBox="1"/>
-          <p:nvPr/>
-        </p:nvSpPr>
-        <p:spPr>
-          <a:xfrm>
-            <a:off x="10537671" y="250919"/>
-            <a:ext cx="605396" cy="646331"/>
-          </a:xfrm>
-          <a:prstGeom prst="rect">
-            <a:avLst/>
-          </a:prstGeom>
-          <a:noFill/>
-        </p:spPr>
-        <p:txBody>
-          <a:bodyPr wrap="square" rtlCol="0">
-            <a:spAutoFit/>
-          </a:bodyPr>
-          <a:lstStyle/>
-          <a:p>
-            <a:r>
-              <a:rPr lang="es-MX" sz="3600" dirty="0"/>
-              <a:t>2</a:t>
-            </a:r>
-          </a:p>
-        </p:txBody>
-      </p:sp>
-    </p:spTree>
-    <p:extLst>
-      <p:ext uri="{BB962C8B-B14F-4D97-AF65-F5344CB8AC3E}">
-        <p14:creationId xmlns:p14="http://schemas.microsoft.com/office/powerpoint/2010/main" val="1763645844"/>
-      </p:ext>
-    </p:extLst>
-  </p:cSld>
-  <p:clrMapOvr>
-    <a:masterClrMapping/>
-  </p:clrMapOvr>
-</p:sld>
-</file>
-
 <file path=ppt/slides/slide4.xml><?xml version="1.0" encoding="utf-8"?>
 <p:sld xmlns:a="http://schemas.openxmlformats.org/drawingml/2006/main" xmlns:r="http://schemas.openxmlformats.org/officeDocument/2006/relationships" xmlns:p="http://schemas.openxmlformats.org/presentationml/2006/main">
   <p:cSld>
@@ -6692,7 +6672,7 @@
           <a:p>
             <a:r>
               <a:rPr lang="es-MX" dirty="0"/>
-              <a:t>1.- Identificar</a:t>
+              <a:t>Determinar</a:t>
             </a:r>
           </a:p>
         </p:txBody>
@@ -6713,61 +6693,14 @@
             <p:ph idx="1"/>
           </p:nvPr>
         </p:nvSpPr>
-        <p:spPr>
-          <a:xfrm>
-            <a:off x="1103312" y="1456734"/>
-            <a:ext cx="8946541" cy="4791665"/>
-          </a:xfrm>
-        </p:spPr>
-        <p:txBody>
-          <a:bodyPr>
-            <a:normAutofit/>
-          </a:bodyPr>
+        <p:spPr/>
+        <p:txBody>
+          <a:bodyPr/>
           <a:lstStyle/>
           <a:p>
             <a:r>
               <a:rPr lang="es-MX" dirty="0"/>
-              <a:t>Las razones por la que veo que se necesitan una estrategia de </a:t>
-            </a:r>
-            <a:r>
-              <a:rPr lang="es-MX" dirty="0" err="1"/>
-              <a:t>MLOps</a:t>
-            </a:r>
-            <a:r>
-              <a:rPr lang="es-MX" dirty="0"/>
-              <a:t> para poder resolver la pregunta que se vio en el punto anterior son:</a:t>
-            </a:r>
-          </a:p>
-          <a:p>
-            <a:pPr lvl="1"/>
-            <a:r>
-              <a:rPr lang="es-MX" sz="1600" dirty="0" err="1"/>
-              <a:t>Actualizacion</a:t>
-            </a:r>
-            <a:r>
-              <a:rPr lang="es-MX" sz="1600" dirty="0"/>
-              <a:t> de modelos: debido a que constantemente se van agregando o nueva información y con ella en ocasiones nuevos </a:t>
-            </a:r>
-            <a:r>
-              <a:rPr lang="es-MX" sz="1600" dirty="0" err="1"/>
-              <a:t>features</a:t>
-            </a:r>
-            <a:r>
-              <a:rPr lang="es-MX" sz="1600" dirty="0"/>
-              <a:t>.</a:t>
-            </a:r>
-          </a:p>
-          <a:p>
-            <a:pPr marL="457200" lvl="1" indent="0">
-              <a:buNone/>
-            </a:pPr>
-            <a:endParaRPr lang="es-MX" sz="1600" dirty="0"/>
-          </a:p>
-          <a:p>
-            <a:pPr lvl="1"/>
-            <a:r>
-              <a:rPr lang="es-MX" sz="1600" dirty="0"/>
-              <a:t>Monitoreo continuo: este punto también es importante debido a que los datos pueden cambiar en cualquier instante y debido a esto pueda que la configuración que se tenia del modelo ya no puede cumplir con las métricas y esto puede desencadenar un rentreno o alertas de los parámetros.</a:t>
+              <a:t>Creo que una de las preguntas más importantes o relevantes es poder saber qué tipo de llamarada mediante regresión ya que esta seria lo ideal para el tipo de pregunta que queremos resolver.</a:t>
             </a:r>
           </a:p>
         </p:txBody>
@@ -6777,7 +6710,7 @@
           <p:cNvPr id="4" name="CuadroTexto 3">
             <a:extLst>
               <a:ext uri="{FF2B5EF4-FFF2-40B4-BE49-F238E27FC236}">
-                <a16:creationId xmlns:a16="http://schemas.microsoft.com/office/drawing/2014/main" id="{25246666-12D0-5A2E-3E92-00778762406A}"/>
+                <a16:creationId xmlns:a16="http://schemas.microsoft.com/office/drawing/2014/main" id="{7E253202-78D5-404C-4CE5-7A422F3B41C9}"/>
               </a:ext>
             </a:extLst>
           </p:cNvPr>
@@ -6802,7 +6735,7 @@
           <a:p>
             <a:r>
               <a:rPr lang="es-MX" sz="3600" dirty="0"/>
-              <a:t>3</a:t>
+              <a:t>2</a:t>
             </a:r>
           </a:p>
         </p:txBody>
@@ -6810,7 +6743,7 @@
     </p:spTree>
     <p:extLst>
       <p:ext uri="{BB962C8B-B14F-4D97-AF65-F5344CB8AC3E}">
-        <p14:creationId xmlns:p14="http://schemas.microsoft.com/office/powerpoint/2010/main" val="1838102958"/>
+        <p14:creationId xmlns:p14="http://schemas.microsoft.com/office/powerpoint/2010/main" val="1763645844"/>
       </p:ext>
     </p:extLst>
   </p:cSld>
@@ -6860,6 +6793,174 @@
           <a:p>
             <a:r>
               <a:rPr lang="es-MX" dirty="0"/>
+              <a:t>1.- Identificar</a:t>
+            </a:r>
+          </a:p>
+        </p:txBody>
+      </p:sp>
+      <p:sp>
+        <p:nvSpPr>
+          <p:cNvPr id="3" name="Marcador de contenido 2">
+            <a:extLst>
+              <a:ext uri="{FF2B5EF4-FFF2-40B4-BE49-F238E27FC236}">
+                <a16:creationId xmlns:a16="http://schemas.microsoft.com/office/drawing/2014/main" id="{FF7CAF38-A370-61A0-CB2A-4665887463FF}"/>
+              </a:ext>
+            </a:extLst>
+          </p:cNvPr>
+          <p:cNvSpPr>
+            <a:spLocks noGrp="1"/>
+          </p:cNvSpPr>
+          <p:nvPr>
+            <p:ph idx="1"/>
+          </p:nvPr>
+        </p:nvSpPr>
+        <p:spPr>
+          <a:xfrm>
+            <a:off x="1103312" y="1456734"/>
+            <a:ext cx="8946541" cy="4791665"/>
+          </a:xfrm>
+        </p:spPr>
+        <p:txBody>
+          <a:bodyPr>
+            <a:normAutofit/>
+          </a:bodyPr>
+          <a:lstStyle/>
+          <a:p>
+            <a:r>
+              <a:rPr lang="es-MX" dirty="0"/>
+              <a:t>Las razones por la que veo que se necesitan una estrategia de </a:t>
+            </a:r>
+            <a:r>
+              <a:rPr lang="es-MX" dirty="0" err="1"/>
+              <a:t>MLOps</a:t>
+            </a:r>
+            <a:r>
+              <a:rPr lang="es-MX" dirty="0"/>
+              <a:t> para poder resolver la pregunta que se vio en el punto anterior son:</a:t>
+            </a:r>
+          </a:p>
+          <a:p>
+            <a:pPr lvl="1"/>
+            <a:r>
+              <a:rPr lang="es-MX" sz="1600" dirty="0" err="1"/>
+              <a:t>Actualizacion</a:t>
+            </a:r>
+            <a:r>
+              <a:rPr lang="es-MX" sz="1600" dirty="0"/>
+              <a:t> de modelos: debido a que constantemente se van agregando o nueva información y con ella en ocasiones nuevos </a:t>
+            </a:r>
+            <a:r>
+              <a:rPr lang="es-MX" sz="1600" dirty="0" err="1"/>
+              <a:t>features</a:t>
+            </a:r>
+            <a:r>
+              <a:rPr lang="es-MX" sz="1600" dirty="0"/>
+              <a:t>.</a:t>
+            </a:r>
+          </a:p>
+          <a:p>
+            <a:pPr marL="457200" lvl="1" indent="0">
+              <a:buNone/>
+            </a:pPr>
+            <a:endParaRPr lang="es-MX" sz="1600" dirty="0"/>
+          </a:p>
+          <a:p>
+            <a:pPr lvl="1"/>
+            <a:r>
+              <a:rPr lang="es-MX" sz="1600" dirty="0"/>
+              <a:t>Monitoreo continuo: este punto también es importante debido a que los datos pueden cambiar en cualquier instante y debido a esto pueda que la configuración que se tenia del modelo ya no puede cumplir con las métricas y esto puede desencadenar un rentreno o alertas de los parámetros.</a:t>
+            </a:r>
+          </a:p>
+        </p:txBody>
+      </p:sp>
+      <p:sp>
+        <p:nvSpPr>
+          <p:cNvPr id="4" name="CuadroTexto 3">
+            <a:extLst>
+              <a:ext uri="{FF2B5EF4-FFF2-40B4-BE49-F238E27FC236}">
+                <a16:creationId xmlns:a16="http://schemas.microsoft.com/office/drawing/2014/main" id="{25246666-12D0-5A2E-3E92-00778762406A}"/>
+              </a:ext>
+            </a:extLst>
+          </p:cNvPr>
+          <p:cNvSpPr txBox="1"/>
+          <p:nvPr/>
+        </p:nvSpPr>
+        <p:spPr>
+          <a:xfrm>
+            <a:off x="10537671" y="250919"/>
+            <a:ext cx="605396" cy="646331"/>
+          </a:xfrm>
+          <a:prstGeom prst="rect">
+            <a:avLst/>
+          </a:prstGeom>
+          <a:noFill/>
+        </p:spPr>
+        <p:txBody>
+          <a:bodyPr wrap="square" rtlCol="0">
+            <a:spAutoFit/>
+          </a:bodyPr>
+          <a:lstStyle/>
+          <a:p>
+            <a:r>
+              <a:rPr lang="es-MX" sz="3600" dirty="0"/>
+              <a:t>3</a:t>
+            </a:r>
+          </a:p>
+        </p:txBody>
+      </p:sp>
+    </p:spTree>
+    <p:extLst>
+      <p:ext uri="{BB962C8B-B14F-4D97-AF65-F5344CB8AC3E}">
+        <p14:creationId xmlns:p14="http://schemas.microsoft.com/office/powerpoint/2010/main" val="1838102958"/>
+      </p:ext>
+    </p:extLst>
+  </p:cSld>
+  <p:clrMapOvr>
+    <a:masterClrMapping/>
+  </p:clrMapOvr>
+</p:sld>
+</file>
+
+<file path=ppt/slides/slide6.xml><?xml version="1.0" encoding="utf-8"?>
+<p:sld xmlns:a="http://schemas.openxmlformats.org/drawingml/2006/main" xmlns:r="http://schemas.openxmlformats.org/officeDocument/2006/relationships" xmlns:p="http://schemas.openxmlformats.org/presentationml/2006/main">
+  <p:cSld>
+    <p:spTree>
+      <p:nvGrpSpPr>
+        <p:cNvPr id="1" name=""/>
+        <p:cNvGrpSpPr/>
+        <p:nvPr/>
+      </p:nvGrpSpPr>
+      <p:grpSpPr>
+        <a:xfrm>
+          <a:off x="0" y="0"/>
+          <a:ext cx="0" cy="0"/>
+          <a:chOff x="0" y="0"/>
+          <a:chExt cx="0" cy="0"/>
+        </a:xfrm>
+      </p:grpSpPr>
+      <p:sp>
+        <p:nvSpPr>
+          <p:cNvPr id="2" name="Título 1">
+            <a:extLst>
+              <a:ext uri="{FF2B5EF4-FFF2-40B4-BE49-F238E27FC236}">
+                <a16:creationId xmlns:a16="http://schemas.microsoft.com/office/drawing/2014/main" id="{15CDCC32-54EA-CFC7-8A39-99D16FC648DF}"/>
+              </a:ext>
+            </a:extLst>
+          </p:cNvPr>
+          <p:cNvSpPr>
+            <a:spLocks noGrp="1"/>
+          </p:cNvSpPr>
+          <p:nvPr>
+            <p:ph type="title"/>
+          </p:nvPr>
+        </p:nvSpPr>
+        <p:spPr/>
+        <p:txBody>
+          <a:bodyPr/>
+          <a:lstStyle/>
+          <a:p>
+            <a:r>
+              <a:rPr lang="es-MX" dirty="0"/>
               <a:t>1.- Diseñar</a:t>
             </a:r>
           </a:p>
@@ -6948,7 +7049,7 @@
 </p:sld>
 </file>
 
-<file path=ppt/slides/slide6.xml><?xml version="1.0" encoding="utf-8"?>
+<file path=ppt/slides/slide7.xml><?xml version="1.0" encoding="utf-8"?>
 <p:sld xmlns:a="http://schemas.openxmlformats.org/drawingml/2006/main" xmlns:r="http://schemas.openxmlformats.org/officeDocument/2006/relationships" xmlns:p="http://schemas.openxmlformats.org/presentationml/2006/main">
   <p:cSld>
     <p:spTree>
